--- a/项目计划书/G01小组项目计划PPT0.2.pptx
+++ b/项目计划书/G01小组项目计划PPT0.2.pptx
@@ -331,7 +331,7 @@
           <a:p>
             <a:fld id="{D2A48B96-639E-45A3-A0BA-2464DFDB1FAA}" type="datetimeFigureOut">
               <a:rPr lang="zh-CN" altLang="en-US" smtClean="0"/>
-              <a:t>2020/10/27</a:t>
+              <a:t>2020/10/28</a:t>
             </a:fld>
             <a:endParaRPr lang="zh-CN" altLang="en-US"/>
           </a:p>
@@ -1341,7 +1341,7 @@
           <a:p>
             <a:fld id="{760FBDFE-C587-4B4C-A407-44438C67B59E}" type="datetimeFigureOut">
               <a:rPr lang="zh-CN" altLang="en-US" smtClean="0"/>
-              <a:t>2020/10/27</a:t>
+              <a:t>2020/10/28</a:t>
             </a:fld>
             <a:endParaRPr lang="zh-CN" altLang="en-US"/>
           </a:p>
@@ -1574,7 +1574,7 @@
           <a:p>
             <a:fld id="{760FBDFE-C587-4B4C-A407-44438C67B59E}" type="datetimeFigureOut">
               <a:rPr lang="zh-CN" altLang="en-US" smtClean="0"/>
-              <a:t>2020/10/27</a:t>
+              <a:t>2020/10/28</a:t>
             </a:fld>
             <a:endParaRPr lang="zh-CN" altLang="en-US"/>
           </a:p>
@@ -2088,7 +2088,7 @@
           <a:p>
             <a:fld id="{760FBDFE-C587-4B4C-A407-44438C67B59E}" type="datetimeFigureOut">
               <a:rPr lang="zh-CN" altLang="en-US" smtClean="0"/>
-              <a:t>2020/10/27</a:t>
+              <a:t>2020/10/28</a:t>
             </a:fld>
             <a:endParaRPr lang="zh-CN" altLang="en-US"/>
           </a:p>
@@ -4205,7 +4205,7 @@
           <a:p>
             <a:fld id="{760FBDFE-C587-4B4C-A407-44438C67B59E}" type="datetimeFigureOut">
               <a:rPr lang="zh-CN" altLang="en-US" smtClean="0"/>
-              <a:t>2020/10/27</a:t>
+              <a:t>2020/10/28</a:t>
             </a:fld>
             <a:endParaRPr lang="zh-CN" altLang="en-US"/>
           </a:p>
@@ -5140,7 +5140,7 @@
           <a:p>
             <a:fld id="{DDC86826-C030-4ABB-BAB8-ECCBC086F54C}" type="datetimeFigureOut">
               <a:rPr lang="zh-CN" altLang="en-US" smtClean="0"/>
-              <a:t>2020/10/27</a:t>
+              <a:t>2020/10/28</a:t>
             </a:fld>
             <a:endParaRPr lang="zh-CN" altLang="en-US"/>
           </a:p>
@@ -5340,7 +5340,7 @@
           <a:p>
             <a:fld id="{DDC86826-C030-4ABB-BAB8-ECCBC086F54C}" type="datetimeFigureOut">
               <a:rPr lang="zh-CN" altLang="en-US" smtClean="0"/>
-              <a:t>2020/10/27</a:t>
+              <a:t>2020/10/28</a:t>
             </a:fld>
             <a:endParaRPr lang="zh-CN" altLang="en-US"/>
           </a:p>
@@ -5691,7 +5691,7 @@
           <a:p>
             <a:fld id="{DDC86826-C030-4ABB-BAB8-ECCBC086F54C}" type="datetimeFigureOut">
               <a:rPr lang="zh-CN" altLang="en-US" smtClean="0"/>
-              <a:t>2020/10/27</a:t>
+              <a:t>2020/10/28</a:t>
             </a:fld>
             <a:endParaRPr lang="zh-CN" altLang="en-US"/>
           </a:p>
@@ -5952,7 +5952,7 @@
           <a:p>
             <a:fld id="{DDC86826-C030-4ABB-BAB8-ECCBC086F54C}" type="datetimeFigureOut">
               <a:rPr lang="zh-CN" altLang="en-US" smtClean="0"/>
-              <a:t>2020/10/27</a:t>
+              <a:t>2020/10/28</a:t>
             </a:fld>
             <a:endParaRPr lang="zh-CN" altLang="en-US"/>
           </a:p>
@@ -6358,7 +6358,7 @@
           <a:p>
             <a:fld id="{DDC86826-C030-4ABB-BAB8-ECCBC086F54C}" type="datetimeFigureOut">
               <a:rPr lang="zh-CN" altLang="en-US" smtClean="0"/>
-              <a:t>2020/10/27</a:t>
+              <a:t>2020/10/28</a:t>
             </a:fld>
             <a:endParaRPr lang="zh-CN" altLang="en-US"/>
           </a:p>
@@ -6469,7 +6469,7 @@
           <a:p>
             <a:fld id="{DDC86826-C030-4ABB-BAB8-ECCBC086F54C}" type="datetimeFigureOut">
               <a:rPr lang="zh-CN" altLang="en-US" smtClean="0"/>
-              <a:t>2020/10/27</a:t>
+              <a:t>2020/10/28</a:t>
             </a:fld>
             <a:endParaRPr lang="zh-CN" altLang="en-US"/>
           </a:p>
@@ -6605,7 +6605,7 @@
           <a:p>
             <a:fld id="{DDC86826-C030-4ABB-BAB8-ECCBC086F54C}" type="datetimeFigureOut">
               <a:rPr lang="zh-CN" altLang="en-US" smtClean="0"/>
-              <a:t>2020/10/27</a:t>
+              <a:t>2020/10/28</a:t>
             </a:fld>
             <a:endParaRPr lang="zh-CN" altLang="en-US"/>
           </a:p>
@@ -7028,7 +7028,7 @@
           <a:p>
             <a:fld id="{760FBDFE-C587-4B4C-A407-44438C67B59E}" type="datetimeFigureOut">
               <a:rPr lang="zh-CN" altLang="en-US" smtClean="0"/>
-              <a:t>2020/10/27</a:t>
+              <a:t>2020/10/28</a:t>
             </a:fld>
             <a:endParaRPr lang="zh-CN" altLang="en-US"/>
           </a:p>
@@ -7309,7 +7309,7 @@
           <a:p>
             <a:fld id="{9EFD9D74-47D9-4702-A33C-335B63B48DBF}" type="datetimeFigureOut">
               <a:rPr lang="zh-CN" altLang="en-US" smtClean="0"/>
-              <a:t>2020/10/27</a:t>
+              <a:t>2020/10/28</a:t>
             </a:fld>
             <a:endParaRPr lang="zh-CN" altLang="en-US" dirty="0"/>
           </a:p>
@@ -7515,7 +7515,7 @@
           <a:p>
             <a:fld id="{DDC86826-C030-4ABB-BAB8-ECCBC086F54C}" type="datetimeFigureOut">
               <a:rPr lang="zh-CN" altLang="en-US" smtClean="0"/>
-              <a:t>2020/10/27</a:t>
+              <a:t>2020/10/28</a:t>
             </a:fld>
             <a:endParaRPr lang="zh-CN" altLang="en-US"/>
           </a:p>
@@ -7626,7 +7626,7 @@
           <a:p>
             <a:fld id="{760FBDFE-C587-4B4C-A407-44438C67B59E}" type="datetimeFigureOut">
               <a:rPr lang="zh-CN" altLang="en-US" smtClean="0"/>
-              <a:t>2020/10/27</a:t>
+              <a:t>2020/10/28</a:t>
             </a:fld>
             <a:endParaRPr lang="zh-CN" altLang="en-US"/>
           </a:p>
@@ -7939,7 +7939,7 @@
           <a:p>
             <a:fld id="{DDC86826-C030-4ABB-BAB8-ECCBC086F54C}" type="datetimeFigureOut">
               <a:rPr lang="zh-CN" altLang="en-US" smtClean="0"/>
-              <a:t>2020/10/27</a:t>
+              <a:t>2020/10/28</a:t>
             </a:fld>
             <a:endParaRPr lang="zh-CN" altLang="en-US"/>
           </a:p>
@@ -8426,7 +8426,7 @@
           <a:p>
             <a:fld id="{760FBDFE-C587-4B4C-A407-44438C67B59E}" type="datetimeFigureOut">
               <a:rPr lang="zh-CN" altLang="en-US" smtClean="0"/>
-              <a:t>2020/10/27</a:t>
+              <a:t>2020/10/28</a:t>
             </a:fld>
             <a:endParaRPr lang="zh-CN" altLang="en-US"/>
           </a:p>
@@ -9143,7 +9143,7 @@
           <a:p>
             <a:fld id="{760FBDFE-C587-4B4C-A407-44438C67B59E}" type="datetimeFigureOut">
               <a:rPr lang="zh-CN" altLang="en-US" smtClean="0"/>
-              <a:t>2020/10/27</a:t>
+              <a:t>2020/10/28</a:t>
             </a:fld>
             <a:endParaRPr lang="zh-CN" altLang="en-US"/>
           </a:p>
@@ -9301,7 +9301,7 @@
           <a:p>
             <a:fld id="{760FBDFE-C587-4B4C-A407-44438C67B59E}" type="datetimeFigureOut">
               <a:rPr lang="zh-CN" altLang="en-US" smtClean="0"/>
-              <a:t>2020/10/27</a:t>
+              <a:t>2020/10/28</a:t>
             </a:fld>
             <a:endParaRPr lang="zh-CN" altLang="en-US"/>
           </a:p>
@@ -9412,7 +9412,7 @@
           <a:p>
             <a:fld id="{760FBDFE-C587-4B4C-A407-44438C67B59E}" type="datetimeFigureOut">
               <a:rPr lang="zh-CN" altLang="en-US" smtClean="0"/>
-              <a:t>2020/10/27</a:t>
+              <a:t>2020/10/28</a:t>
             </a:fld>
             <a:endParaRPr lang="zh-CN" altLang="en-US"/>
           </a:p>
@@ -9785,7 +9785,7 @@
           <a:p>
             <a:fld id="{9EFD9D74-47D9-4702-A33C-335B63B48DBF}" type="datetimeFigureOut">
               <a:rPr lang="zh-CN" altLang="en-US" smtClean="0"/>
-              <a:t>2020/10/27</a:t>
+              <a:t>2020/10/28</a:t>
             </a:fld>
             <a:endParaRPr lang="zh-CN" altLang="en-US" dirty="0"/>
           </a:p>
@@ -10041,7 +10041,7 @@
           <a:p>
             <a:fld id="{760FBDFE-C587-4B4C-A407-44438C67B59E}" type="datetimeFigureOut">
               <a:rPr lang="zh-CN" altLang="en-US" smtClean="0"/>
-              <a:t>2020/10/27</a:t>
+              <a:t>2020/10/28</a:t>
             </a:fld>
             <a:endParaRPr lang="zh-CN" altLang="en-US"/>
           </a:p>
@@ -10283,7 +10283,7 @@
           <a:p>
             <a:fld id="{760FBDFE-C587-4B4C-A407-44438C67B59E}" type="datetimeFigureOut">
               <a:rPr lang="zh-CN" altLang="en-US" smtClean="0"/>
-              <a:t>2020/10/27</a:t>
+              <a:t>2020/10/28</a:t>
             </a:fld>
             <a:endParaRPr lang="zh-CN" altLang="en-US"/>
           </a:p>
@@ -11606,7 +11606,7 @@
           <a:p>
             <a:fld id="{DDC86826-C030-4ABB-BAB8-ECCBC086F54C}" type="datetimeFigureOut">
               <a:rPr lang="zh-CN" altLang="en-US" smtClean="0"/>
-              <a:t>2020/10/27</a:t>
+              <a:t>2020/10/28</a:t>
             </a:fld>
             <a:endParaRPr lang="zh-CN" altLang="en-US"/>
           </a:p>
@@ -18228,14 +18228,14 @@
           <p:nvPr>
             <p:extLst>
               <p:ext uri="{D42A27DB-BD31-4B8C-83A1-F6EECF244321}">
-                <p14:modId xmlns:p14="http://schemas.microsoft.com/office/powerpoint/2010/main" val="2715159399"/>
+                <p14:modId xmlns:p14="http://schemas.microsoft.com/office/powerpoint/2010/main" val="752758180"/>
               </p:ext>
             </p:extLst>
           </p:nvPr>
         </p:nvGraphicFramePr>
         <p:xfrm>
           <a:off x="1524000" y="2743613"/>
-          <a:ext cx="6096000" cy="2565400"/>
+          <a:ext cx="6096000" cy="2199640"/>
         </p:xfrm>
         <a:graphic>
           <a:graphicData uri="http://schemas.openxmlformats.org/drawingml/2006/table">
@@ -18342,15 +18342,11 @@
                       </a:r>
                       <a:r>
                         <a:rPr lang="en-US" altLang="zh-CN" sz="2400" dirty="0" smtClean="0"/>
-                        <a:t>77.27/</a:t>
+                        <a:t>91.9/</a:t>
                       </a:r>
                       <a:r>
                         <a:rPr lang="zh-CN" altLang="en-US" sz="2400" dirty="0" smtClean="0"/>
-                        <a:t>人</a:t>
-                      </a:r>
-                      <a:r>
-                        <a:rPr lang="zh-CN" altLang="en-US" sz="2400" dirty="0" smtClean="0"/>
-                        <a:t>时</a:t>
+                        <a:t>人时</a:t>
                       </a:r>
                       <a:r>
                         <a:rPr lang="en-US" altLang="zh-CN" sz="2400" dirty="0" smtClean="0"/>
@@ -18368,15 +18364,15 @@
                     <a:p>
                       <a:r>
                         <a:rPr lang="zh-CN" altLang="en-US" sz="2400" dirty="0" smtClean="0"/>
-                        <a:t>约￥</a:t>
+                        <a:t>约</a:t>
+                      </a:r>
+                      <a:r>
+                        <a:rPr lang="zh-CN" altLang="en-US" sz="2400" dirty="0" smtClean="0"/>
+                        <a:t>￥</a:t>
                       </a:r>
                       <a:r>
                         <a:rPr lang="en-US" altLang="zh-CN" sz="2400" dirty="0" smtClean="0"/>
-                        <a:t>430</a:t>
-                      </a:r>
-                      <a:r>
-                        <a:rPr lang="en-US" altLang="zh-CN" sz="2400" dirty="0" smtClean="0"/>
-                        <a:t>/</a:t>
+                        <a:t>550/</a:t>
                       </a:r>
                       <a:r>
                         <a:rPr lang="zh-CN" altLang="en-US" sz="2400" dirty="0" smtClean="0"/>
@@ -18466,7 +18462,7 @@
                       </a:r>
                       <a:r>
                         <a:rPr lang="en-US" altLang="zh-CN" sz="2400" dirty="0" smtClean="0"/>
-                        <a:t>100</a:t>
+                        <a:t>200</a:t>
                       </a:r>
                       <a:endParaRPr lang="zh-CN" altLang="en-US" sz="2400" dirty="0"/>
                     </a:p>
@@ -18484,7 +18480,7 @@
                       </a:r>
                       <a:r>
                         <a:rPr lang="en-US" altLang="zh-CN" sz="2400" dirty="0" smtClean="0"/>
-                        <a:t>100</a:t>
+                        <a:t>200</a:t>
                       </a:r>
                       <a:endParaRPr lang="zh-CN" altLang="en-US" sz="2400" dirty="0"/>
                     </a:p>
@@ -18900,19 +18896,31 @@
               <a:rPr lang="zh-CN" altLang="en-US" sz="2000" b="1" dirty="0" smtClean="0">
                 <a:latin typeface="+mn-ea"/>
               </a:rPr>
-              <a:t>总计为</a:t>
+              <a:t>总计</a:t>
+            </a:r>
+            <a:r>
+              <a:rPr lang="zh-CN" altLang="en-US" sz="2000" b="1" dirty="0" smtClean="0">
+                <a:latin typeface="+mn-ea"/>
+              </a:rPr>
+              <a:t>为</a:t>
             </a:r>
             <a:r>
               <a:rPr lang="en-US" altLang="zh-CN" sz="2000" b="1" dirty="0" smtClean="0">
                 <a:latin typeface="+mn-ea"/>
               </a:rPr>
-              <a:t>430*3.5</a:t>
+              <a:t>550*4</a:t>
             </a:r>
             <a:r>
               <a:rPr lang="zh-CN" altLang="en-US" sz="2000" b="1" dirty="0" smtClean="0">
                 <a:latin typeface="+mn-ea"/>
               </a:rPr>
-              <a:t>个月</a:t>
+              <a:t>个</a:t>
+            </a:r>
+            <a:r>
+              <a:rPr lang="zh-CN" altLang="en-US" sz="2000" b="1" dirty="0" smtClean="0">
+                <a:latin typeface="+mn-ea"/>
+              </a:rPr>
+              <a:t>月</a:t>
             </a:r>
             <a:r>
               <a:rPr lang="en-US" altLang="zh-CN" sz="2000" b="1" dirty="0" smtClean="0">
@@ -18930,7 +18938,13 @@
               <a:rPr lang="en-US" altLang="zh-CN" sz="2000" b="1" dirty="0" smtClean="0">
                 <a:latin typeface="+mn-ea"/>
               </a:rPr>
-              <a:t>+100+100=45350</a:t>
+              <a:t>+</a:t>
+            </a:r>
+            <a:r>
+              <a:rPr lang="en-US" altLang="zh-CN" sz="2000" b="1" dirty="0" smtClean="0">
+                <a:latin typeface="+mn-ea"/>
+              </a:rPr>
+              <a:t>100+200=66300</a:t>
             </a:r>
             <a:r>
               <a:rPr lang="zh-CN" altLang="en-US" sz="2000" b="1" dirty="0" smtClean="0">
@@ -20275,19 +20289,7 @@
                 </a:solidFill>
                 <a:latin typeface="Arial" panose="020B0604020202020204" pitchFamily="34" charset="0"/>
               </a:rPr>
-              <a:t>董</a:t>
-            </a:r>
-            <a:r>
-              <a:rPr lang="zh-CN" altLang="en-US" sz="1800" b="1" dirty="0" smtClean="0">
-                <a:solidFill>
-                  <a:srgbClr val="000000">
-                    <a:lumMod val="75000"/>
-                    <a:lumOff val="25000"/>
-                  </a:srgbClr>
-                </a:solidFill>
-                <a:latin typeface="Arial" panose="020B0604020202020204" pitchFamily="34" charset="0"/>
-              </a:rPr>
-              <a:t>思诚</a:t>
+              <a:t>董思诚</a:t>
             </a:r>
             <a:r>
               <a:rPr lang="zh-CN" altLang="en-US" sz="1800" dirty="0" smtClean="0">
@@ -20396,19 +20398,7 @@
                 </a:solidFill>
                 <a:latin typeface="Arial" panose="020B0604020202020204" pitchFamily="34" charset="0"/>
               </a:rPr>
-              <a:t>陈</a:t>
-            </a:r>
-            <a:r>
-              <a:rPr lang="zh-CN" altLang="en-US" sz="1800" b="1" dirty="0" smtClean="0">
-                <a:solidFill>
-                  <a:srgbClr val="000000">
-                    <a:lumMod val="75000"/>
-                    <a:lumOff val="25000"/>
-                  </a:srgbClr>
-                </a:solidFill>
-                <a:latin typeface="Arial" panose="020B0604020202020204" pitchFamily="34" charset="0"/>
-              </a:rPr>
-              <a:t>安：工作图制作 评分 （</a:t>
+              <a:t>陈安：工作图制作 评分 （</a:t>
             </a:r>
             <a:r>
               <a:rPr lang="en-US" altLang="zh-CN" sz="1800" b="1" dirty="0" smtClean="0">
@@ -23054,13 +23044,7 @@
               <a:rPr lang="zh-CN" altLang="en-US" sz="2400" b="1" dirty="0" smtClean="0">
                 <a:latin typeface="+mn-ea"/>
               </a:rPr>
-              <a:t>      </a:t>
-            </a:r>
-            <a:r>
-              <a:rPr lang="zh-CN" altLang="en-US" sz="2400" b="1" dirty="0" smtClean="0">
-                <a:latin typeface="+mn-ea"/>
-              </a:rPr>
-              <a:t>黄耀天</a:t>
+              <a:t>      黄耀天</a:t>
             </a:r>
             <a:endParaRPr lang="en-US" altLang="zh-CN" sz="2400" b="1" dirty="0" smtClean="0">
               <a:latin typeface="+mn-ea"/>
@@ -23091,13 +23075,7 @@
               <a:rPr lang="zh-CN" altLang="en-US" sz="1800" b="1" dirty="0" smtClean="0">
                 <a:latin typeface="+mn-ea"/>
               </a:rPr>
-              <a:t>）</a:t>
-            </a:r>
-            <a:r>
-              <a:rPr lang="zh-CN" altLang="en-US" sz="1800" b="1" dirty="0" smtClean="0">
-                <a:latin typeface="+mn-ea"/>
-              </a:rPr>
-              <a:t>计院非本专业</a:t>
+              <a:t>）计院非本专业</a:t>
             </a:r>
             <a:endParaRPr lang="en-US" altLang="zh-CN" sz="1800" b="1" dirty="0" smtClean="0">
               <a:latin typeface="+mn-ea"/>
